--- a/프레젠테이션1.pptx
+++ b/프레젠테이션1.pptx
@@ -2994,7 +2994,7 @@
         </p:blipFill>
         <p:spPr>
           <a:xfrm>
-            <a:off x="885652" y="445413"/>
+            <a:off x="913350" y="453712"/>
             <a:ext cx="5614901" cy="3581211"/>
           </a:xfrm>
           <a:prstGeom prst="rect">
@@ -3041,7 +3041,7 @@
             </a:r>
             <a:r>
               <a:rPr lang="ko-KR" altLang="en-US" dirty="0" smtClean="0"/>
-              <a:t>타이머 </a:t>
+              <a:t>타이머 인터럽트 </a:t>
             </a:r>
             <a:endParaRPr lang="en-US" altLang="ko-KR" dirty="0"/>
           </a:p>
@@ -3112,15 +3112,7 @@
                   <a:srgbClr val="FF0000"/>
                 </a:solidFill>
               </a:rPr>
-              <a:t>딥</a:t>
-            </a:r>
-            <a:r>
-              <a:rPr lang="ko-KR" altLang="en-US" dirty="0" err="1" smtClean="0">
-                <a:solidFill>
-                  <a:srgbClr val="FF0000"/>
-                </a:solidFill>
-              </a:rPr>
-              <a:t>러닝</a:t>
+              <a:t>딥러닝</a:t>
             </a:r>
             <a:r>
               <a:rPr lang="en-US" altLang="ko-KR" dirty="0" smtClean="0">
@@ -3162,11 +3154,7 @@
           <a:p>
             <a:r>
               <a:rPr lang="en-US" altLang="ko-KR" dirty="0"/>
-              <a:t>	</a:t>
-            </a:r>
-            <a:r>
-              <a:rPr lang="en-US" altLang="ko-KR" dirty="0"/>
-              <a:t>weather)</a:t>
+              <a:t>	weather)</a:t>
             </a:r>
             <a:r>
               <a:rPr lang="en-US" altLang="ko-KR" dirty="0" smtClean="0"/>
@@ -3178,7 +3166,87 @@
             </a:r>
             <a:r>
               <a:rPr lang="en-US" altLang="ko-KR" dirty="0" smtClean="0"/>
-              <a:t> (1,0,1,0); </a:t>
+              <a:t> (1,0,1,0); -&gt; </a:t>
+            </a:r>
+            <a:r>
+              <a:rPr lang="ko-KR" altLang="en-US" dirty="0" smtClean="0"/>
+              <a:t>제어 </a:t>
+            </a:r>
+            <a:r>
+              <a:rPr lang="en-US" altLang="ko-KR" dirty="0" smtClean="0"/>
+              <a:t>: </a:t>
+            </a:r>
+            <a:r>
+              <a:rPr lang="ko-KR" altLang="en-US" dirty="0" smtClean="0"/>
+              <a:t>환기팬</a:t>
+            </a:r>
+            <a:r>
+              <a:rPr lang="en-US" altLang="ko-KR" dirty="0" smtClean="0"/>
+              <a:t>, </a:t>
+            </a:r>
+            <a:r>
+              <a:rPr lang="ko-KR" altLang="en-US" dirty="0" err="1" smtClean="0"/>
+              <a:t>채광커튼</a:t>
+            </a:r>
+            <a:r>
+              <a:rPr lang="en-US" altLang="ko-KR" dirty="0" smtClean="0"/>
+              <a:t>, </a:t>
+            </a:r>
+            <a:r>
+              <a:rPr lang="ko-KR" altLang="en-US" dirty="0" smtClean="0"/>
+              <a:t>난방기</a:t>
+            </a:r>
+            <a:r>
+              <a:rPr lang="en-US" altLang="ko-KR" dirty="0" smtClean="0"/>
+              <a:t>, </a:t>
+            </a:r>
+            <a:r>
+              <a:rPr lang="ko-KR" altLang="en-US" dirty="0" smtClean="0"/>
+              <a:t>관수제어 </a:t>
+            </a:r>
+            <a:r>
+              <a:rPr lang="en-US" altLang="ko-KR" dirty="0" smtClean="0"/>
+              <a:t>(LED)</a:t>
+            </a:r>
+          </a:p>
+          <a:p>
+            <a:endParaRPr lang="en-US" altLang="ko-KR" dirty="0" smtClean="0"/>
+          </a:p>
+          <a:p>
+            <a:r>
+              <a:rPr lang="en-US" altLang="ko-KR" dirty="0" smtClean="0"/>
+              <a:t>(</a:t>
+            </a:r>
+            <a:r>
+              <a:rPr lang="ko-KR" altLang="en-US" dirty="0" err="1" smtClean="0"/>
+              <a:t>영상정보부</a:t>
+            </a:r>
+            <a:r>
+              <a:rPr lang="en-US" altLang="ko-KR" dirty="0" smtClean="0"/>
+              <a:t>)</a:t>
+            </a:r>
+            <a:endParaRPr lang="en-US" altLang="ko-KR" dirty="0"/>
+          </a:p>
+          <a:p>
+            <a:r>
+              <a:rPr lang="ko-KR" altLang="en-US" dirty="0" err="1" smtClean="0"/>
+              <a:t>소나센서</a:t>
+            </a:r>
+            <a:r>
+              <a:rPr lang="ko-KR" altLang="en-US" dirty="0" smtClean="0"/>
+              <a:t> </a:t>
+            </a:r>
+            <a:r>
+              <a:rPr lang="en-US" altLang="ko-KR" dirty="0" smtClean="0"/>
+              <a:t>+ </a:t>
+            </a:r>
+            <a:r>
+              <a:rPr lang="ko-KR" altLang="en-US" dirty="0" err="1" smtClean="0"/>
+              <a:t>서보모터</a:t>
+            </a:r>
+            <a:r>
+              <a:rPr lang="ko-KR" altLang="en-US" dirty="0" smtClean="0"/>
+              <a:t> </a:t>
             </a:r>
             <a:r>
               <a:rPr lang="en-US" altLang="ko-KR" dirty="0" smtClean="0"/>
@@ -3186,67 +3254,15 @@
             </a:r>
             <a:r>
               <a:rPr lang="ko-KR" altLang="en-US" dirty="0" smtClean="0"/>
-              <a:t>제어 </a:t>
+              <a:t>자동 관측 </a:t>
             </a:r>
             <a:r>
               <a:rPr lang="en-US" altLang="ko-KR" dirty="0" smtClean="0"/>
-              <a:t>: </a:t>
-            </a:r>
-            <a:r>
-              <a:rPr lang="ko-KR" altLang="en-US" dirty="0" smtClean="0"/>
-              <a:t>환기팬</a:t>
-            </a:r>
-            <a:r>
-              <a:rPr lang="en-US" altLang="ko-KR" dirty="0" smtClean="0"/>
-              <a:t>, </a:t>
+              <a:t>-&gt; </a:t>
             </a:r>
             <a:r>
               <a:rPr lang="ko-KR" altLang="en-US" dirty="0" err="1" smtClean="0"/>
-              <a:t>채광커튼</a:t>
-            </a:r>
-            <a:r>
-              <a:rPr lang="en-US" altLang="ko-KR" dirty="0" smtClean="0"/>
-              <a:t>, </a:t>
-            </a:r>
-            <a:r>
-              <a:rPr lang="ko-KR" altLang="en-US" dirty="0" smtClean="0"/>
-              <a:t>난방기</a:t>
-            </a:r>
-            <a:r>
-              <a:rPr lang="en-US" altLang="ko-KR" dirty="0" smtClean="0"/>
-              <a:t>, </a:t>
-            </a:r>
-            <a:r>
-              <a:rPr lang="ko-KR" altLang="en-US" dirty="0" smtClean="0"/>
-              <a:t>관수제어 </a:t>
-            </a:r>
-            <a:r>
-              <a:rPr lang="en-US" altLang="ko-KR" dirty="0" smtClean="0"/>
-              <a:t>(LED)</a:t>
-            </a:r>
-          </a:p>
-          <a:p>
-            <a:endParaRPr lang="en-US" altLang="ko-KR" dirty="0" smtClean="0"/>
-          </a:p>
-          <a:p>
-            <a:r>
-              <a:rPr lang="en-US" altLang="ko-KR" dirty="0" smtClean="0"/>
-              <a:t>(</a:t>
-            </a:r>
-            <a:r>
-              <a:rPr lang="ko-KR" altLang="en-US" dirty="0" err="1" smtClean="0"/>
-              <a:t>영상정보부</a:t>
-            </a:r>
-            <a:r>
-              <a:rPr lang="en-US" altLang="ko-KR" dirty="0" smtClean="0"/>
-              <a:t>)</a:t>
-            </a:r>
-            <a:endParaRPr lang="en-US" altLang="ko-KR" dirty="0"/>
-          </a:p>
-          <a:p>
-            <a:r>
-              <a:rPr lang="ko-KR" altLang="en-US" dirty="0" err="1" smtClean="0"/>
-              <a:t>소나센서</a:t>
+              <a:t>물체발견</a:t>
             </a:r>
             <a:r>
               <a:rPr lang="ko-KR" altLang="en-US" dirty="0" smtClean="0"/>
@@ -3254,11 +3270,11 @@
             </a:r>
             <a:r>
               <a:rPr lang="en-US" altLang="ko-KR" dirty="0" smtClean="0"/>
-              <a:t>+ </a:t>
+              <a:t>-&gt; DB (key,  date); -&gt; </a:t>
             </a:r>
             <a:r>
               <a:rPr lang="ko-KR" altLang="en-US" dirty="0" err="1" smtClean="0"/>
-              <a:t>서보모터</a:t>
+              <a:t>경고등</a:t>
             </a:r>
             <a:r>
               <a:rPr lang="ko-KR" altLang="en-US" dirty="0" smtClean="0"/>
@@ -3266,78 +3282,38 @@
             </a:r>
             <a:r>
               <a:rPr lang="en-US" altLang="ko-KR" dirty="0" smtClean="0"/>
-              <a:t>-&gt; </a:t>
+              <a:t>(LED)+ </a:t>
             </a:r>
             <a:r>
               <a:rPr lang="ko-KR" altLang="en-US" dirty="0" smtClean="0"/>
-              <a:t>자동 관측 </a:t>
+              <a:t>사운드</a:t>
+            </a:r>
+            <a:endParaRPr lang="en-US" altLang="ko-KR" dirty="0" smtClean="0"/>
+          </a:p>
+          <a:p>
+            <a:r>
+              <a:rPr lang="en-US" altLang="ko-KR" dirty="0"/>
+              <a:t>	</a:t>
             </a:r>
             <a:r>
               <a:rPr lang="en-US" altLang="ko-KR" dirty="0" smtClean="0"/>
-              <a:t>-&gt; </a:t>
+              <a:t>	     -&gt; </a:t>
             </a:r>
             <a:r>
               <a:rPr lang="ko-KR" altLang="en-US" dirty="0" err="1" smtClean="0"/>
-              <a:t>물체발견</a:t>
+              <a:t>수동조작</a:t>
             </a:r>
             <a:r>
               <a:rPr lang="ko-KR" altLang="en-US" dirty="0" smtClean="0"/>
               <a:t> </a:t>
             </a:r>
             <a:r>
-              <a:rPr lang="en-US" altLang="ko-KR" dirty="0" smtClean="0"/>
-              <a:t>-&gt; DB (key,  date</a:t>
-            </a:r>
-            <a:r>
-              <a:rPr lang="en-US" altLang="ko-KR" dirty="0" smtClean="0"/>
-              <a:t>); -&gt; </a:t>
-            </a:r>
-            <a:r>
-              <a:rPr lang="ko-KR" altLang="en-US" dirty="0" err="1" smtClean="0"/>
-              <a:t>경고등</a:t>
-            </a:r>
-            <a:r>
-              <a:rPr lang="ko-KR" altLang="en-US" dirty="0" smtClean="0"/>
-              <a:t> </a:t>
-            </a:r>
-            <a:r>
-              <a:rPr lang="en-US" altLang="ko-KR" dirty="0" smtClean="0"/>
-              <a:t>(LED)+ </a:t>
-            </a:r>
-            <a:r>
-              <a:rPr lang="ko-KR" altLang="en-US" dirty="0" smtClean="0"/>
-              <a:t>사운드</a:t>
-            </a:r>
-            <a:endParaRPr lang="en-US" altLang="ko-KR" dirty="0" smtClean="0"/>
-          </a:p>
-          <a:p>
-            <a:r>
-              <a:rPr lang="en-US" altLang="ko-KR" dirty="0"/>
-              <a:t>	</a:t>
-            </a:r>
-            <a:r>
-              <a:rPr lang="en-US" altLang="ko-KR" dirty="0" smtClean="0"/>
-              <a:t>	     -&gt; </a:t>
-            </a:r>
-            <a:r>
-              <a:rPr lang="ko-KR" altLang="en-US" dirty="0" err="1" smtClean="0"/>
-              <a:t>수동조작</a:t>
-            </a:r>
-            <a:r>
-              <a:rPr lang="ko-KR" altLang="en-US" dirty="0" smtClean="0"/>
-              <a:t> </a:t>
-            </a:r>
-            <a:r>
               <a:rPr lang="en-US" altLang="ko-KR" dirty="0"/>
               <a:t> </a:t>
             </a:r>
             <a:r>
               <a:rPr lang="en-US" altLang="ko-KR" dirty="0" smtClean="0"/>
-              <a:t>-&gt; </a:t>
-            </a:r>
-            <a:r>
-              <a:rPr lang="en-US" altLang="ko-KR" dirty="0" smtClean="0"/>
-              <a:t>GUI</a:t>
+              <a:t>-&gt; GUI</a:t>
             </a:r>
           </a:p>
           <a:p>
@@ -3396,7 +3372,7 @@
         </p:nvSpPr>
         <p:spPr>
           <a:xfrm>
-            <a:off x="6855205" y="3574003"/>
+            <a:off x="6855205" y="3656984"/>
             <a:ext cx="1917513" cy="646331"/>
           </a:xfrm>
           <a:prstGeom prst="rect">
@@ -3428,7 +3404,7 @@
         </p:nvSpPr>
         <p:spPr>
           <a:xfrm>
-            <a:off x="7556269" y="939338"/>
+            <a:off x="7435733" y="955963"/>
             <a:ext cx="4099199" cy="923330"/>
           </a:xfrm>
           <a:prstGeom prst="rect">
@@ -3938,7 +3914,7 @@
           <a:lstStyle/>
           <a:p>
             <a:r>
-              <a:rPr lang="ko-KR" altLang="en-US" smtClean="0"/>
+              <a:rPr lang="ko-KR" altLang="en-US" dirty="0" smtClean="0"/>
               <a:t>종료</a:t>
             </a:r>
             <a:endParaRPr lang="ko-KR" altLang="en-US" dirty="0"/>
@@ -5262,98 +5238,6 @@
           <a:prstGeom prst="ellipse">
             <a:avLst/>
           </a:prstGeom>
-        </p:spPr>
-        <p:style>
-          <a:lnRef idx="2">
-            <a:schemeClr val="accent1">
-              <a:shade val="50000"/>
-            </a:schemeClr>
-          </a:lnRef>
-          <a:fillRef idx="1">
-            <a:schemeClr val="accent1"/>
-          </a:fillRef>
-          <a:effectRef idx="0">
-            <a:schemeClr val="accent1"/>
-          </a:effectRef>
-          <a:fontRef idx="minor">
-            <a:schemeClr val="lt1"/>
-          </a:fontRef>
-        </p:style>
-        <p:txBody>
-          <a:bodyPr rtlCol="0" anchor="ctr"/>
-          <a:lstStyle/>
-          <a:p>
-            <a:pPr algn="ctr"/>
-            <a:endParaRPr lang="ko-KR" altLang="en-US"/>
-          </a:p>
-        </p:txBody>
-      </p:sp>
-      <p:sp>
-        <p:nvSpPr>
-          <p:cNvPr id="49" name="직사각형 48"/>
-          <p:cNvSpPr/>
-          <p:nvPr/>
-        </p:nvSpPr>
-        <p:spPr>
-          <a:xfrm>
-            <a:off x="4231492" y="2363102"/>
-            <a:ext cx="649235" cy="332509"/>
-          </a:xfrm>
-          <a:prstGeom prst="rect">
-            <a:avLst/>
-          </a:prstGeom>
-          <a:solidFill>
-            <a:schemeClr val="accent5">
-              <a:lumMod val="40000"/>
-              <a:lumOff val="60000"/>
-            </a:schemeClr>
-          </a:solidFill>
-        </p:spPr>
-        <p:style>
-          <a:lnRef idx="2">
-            <a:schemeClr val="accent1">
-              <a:shade val="50000"/>
-            </a:schemeClr>
-          </a:lnRef>
-          <a:fillRef idx="1">
-            <a:schemeClr val="accent1"/>
-          </a:fillRef>
-          <a:effectRef idx="0">
-            <a:schemeClr val="accent1"/>
-          </a:effectRef>
-          <a:fontRef idx="minor">
-            <a:schemeClr val="lt1"/>
-          </a:fontRef>
-        </p:style>
-        <p:txBody>
-          <a:bodyPr rtlCol="0" anchor="ctr"/>
-          <a:lstStyle/>
-          <a:p>
-            <a:pPr algn="ctr"/>
-            <a:endParaRPr lang="ko-KR" altLang="en-US"/>
-          </a:p>
-        </p:txBody>
-      </p:sp>
-      <p:sp>
-        <p:nvSpPr>
-          <p:cNvPr id="50" name="직사각형 49"/>
-          <p:cNvSpPr/>
-          <p:nvPr/>
-        </p:nvSpPr>
-        <p:spPr>
-          <a:xfrm>
-            <a:off x="8334042" y="1393688"/>
-            <a:ext cx="649235" cy="332509"/>
-          </a:xfrm>
-          <a:prstGeom prst="rect">
-            <a:avLst/>
-          </a:prstGeom>
-          <a:solidFill>
-            <a:schemeClr val="accent5">
-              <a:lumMod val="40000"/>
-              <a:lumOff val="60000"/>
-            </a:schemeClr>
-          </a:solidFill>
         </p:spPr>
         <p:style>
           <a:lnRef idx="2">
@@ -5892,10 +5776,307 @@
           <a:chExt cx="0" cy="0"/>
         </a:xfrm>
       </p:grpSpPr>
+      <p:sp>
+        <p:nvSpPr>
+          <p:cNvPr id="2" name="TextBox 1"/>
+          <p:cNvSpPr txBox="1"/>
+          <p:nvPr/>
+        </p:nvSpPr>
+        <p:spPr>
+          <a:xfrm>
+            <a:off x="265205" y="365759"/>
+            <a:ext cx="6543779" cy="2031325"/>
+          </a:xfrm>
+          <a:prstGeom prst="rect">
+            <a:avLst/>
+          </a:prstGeom>
+          <a:noFill/>
+        </p:spPr>
+        <p:txBody>
+          <a:bodyPr wrap="none" rtlCol="0">
+            <a:spAutoFit/>
+          </a:bodyPr>
+          <a:lstStyle/>
+          <a:p>
+            <a:r>
+              <a:rPr lang="ko-KR" altLang="en-US" dirty="0" err="1" smtClean="0"/>
+              <a:t>환기팬</a:t>
+            </a:r>
+            <a:r>
+              <a:rPr lang="ko-KR" altLang="en-US" dirty="0" smtClean="0"/>
+              <a:t> </a:t>
+            </a:r>
+            <a:r>
+              <a:rPr lang="en-US" altLang="ko-KR" dirty="0" smtClean="0"/>
+              <a:t>-&gt; </a:t>
+            </a:r>
+            <a:r>
+              <a:rPr lang="ko-KR" altLang="en-US" dirty="0" smtClean="0"/>
+              <a:t>온도에 따라 </a:t>
+            </a:r>
+            <a:endParaRPr lang="en-US" altLang="ko-KR" dirty="0" smtClean="0"/>
+          </a:p>
+          <a:p>
+            <a:endParaRPr lang="en-US" altLang="ko-KR" dirty="0"/>
+          </a:p>
+          <a:p>
+            <a:r>
+              <a:rPr lang="ko-KR" altLang="en-US" dirty="0" err="1" smtClean="0"/>
+              <a:t>채광커튼</a:t>
+            </a:r>
+            <a:r>
+              <a:rPr lang="ko-KR" altLang="en-US" dirty="0" smtClean="0"/>
+              <a:t> </a:t>
+            </a:r>
+            <a:r>
+              <a:rPr lang="en-US" altLang="ko-KR" dirty="0" smtClean="0"/>
+              <a:t>-&gt; </a:t>
+            </a:r>
+            <a:r>
+              <a:rPr lang="ko-KR" altLang="en-US" dirty="0" smtClean="0"/>
+              <a:t>광량에 따라</a:t>
+            </a:r>
+            <a:endParaRPr lang="en-US" altLang="ko-KR" dirty="0" smtClean="0"/>
+          </a:p>
+          <a:p>
+            <a:endParaRPr lang="en-US" altLang="ko-KR" dirty="0"/>
+          </a:p>
+          <a:p>
+            <a:r>
+              <a:rPr lang="ko-KR" altLang="en-US" dirty="0" smtClean="0"/>
+              <a:t>난방기 </a:t>
+            </a:r>
+            <a:r>
+              <a:rPr lang="en-US" altLang="ko-KR" dirty="0" smtClean="0"/>
+              <a:t>-&gt; </a:t>
+            </a:r>
+            <a:r>
+              <a:rPr lang="ko-KR" altLang="en-US" dirty="0" smtClean="0"/>
+              <a:t>온도에 따라</a:t>
+            </a:r>
+            <a:endParaRPr lang="en-US" altLang="ko-KR" dirty="0" smtClean="0"/>
+          </a:p>
+          <a:p>
+            <a:endParaRPr lang="en-US" altLang="ko-KR" dirty="0"/>
+          </a:p>
+          <a:p>
+            <a:r>
+              <a:rPr lang="ko-KR" altLang="en-US" dirty="0" err="1" smtClean="0"/>
+              <a:t>관수제어</a:t>
+            </a:r>
+            <a:r>
+              <a:rPr lang="ko-KR" altLang="en-US" dirty="0" smtClean="0"/>
+              <a:t> </a:t>
+            </a:r>
+            <a:r>
+              <a:rPr lang="en-US" altLang="ko-KR" dirty="0" smtClean="0"/>
+              <a:t>-&gt; </a:t>
+            </a:r>
+            <a:r>
+              <a:rPr lang="ko-KR" altLang="en-US" dirty="0" smtClean="0"/>
+              <a:t>토양 수분에 따라(</a:t>
+            </a:r>
+            <a:r>
+              <a:rPr lang="ko-KR" altLang="en-US" dirty="0"/>
+              <a:t>높은 기온 </a:t>
+            </a:r>
+            <a:r>
+              <a:rPr lang="en-US" altLang="ko-KR" dirty="0"/>
+              <a:t>&amp;&amp; </a:t>
+            </a:r>
+            <a:r>
+              <a:rPr lang="ko-KR" altLang="en-US" dirty="0"/>
+              <a:t>강수량 낮으면 </a:t>
+            </a:r>
+            <a:r>
+              <a:rPr lang="en-US" altLang="ko-KR" dirty="0" smtClean="0"/>
+              <a:t>)</a:t>
+            </a:r>
+          </a:p>
+        </p:txBody>
+      </p:sp>
+      <p:pic>
+        <p:nvPicPr>
+          <p:cNvPr id="3" name="그림 2"/>
+          <p:cNvPicPr>
+            <a:picLocks noChangeAspect="1"/>
+          </p:cNvPicPr>
+          <p:nvPr/>
+        </p:nvPicPr>
+        <p:blipFill>
+          <a:blip r:embed="rId2"/>
+          <a:stretch>
+            <a:fillRect/>
+          </a:stretch>
+        </p:blipFill>
+        <p:spPr>
+          <a:xfrm>
+            <a:off x="6808984" y="2310939"/>
+            <a:ext cx="4834612" cy="4162511"/>
+          </a:xfrm>
+          <a:prstGeom prst="rect">
+            <a:avLst/>
+          </a:prstGeom>
+        </p:spPr>
+      </p:pic>
+      <p:sp>
+        <p:nvSpPr>
+          <p:cNvPr id="4" name="TextBox 3"/>
+          <p:cNvSpPr txBox="1"/>
+          <p:nvPr/>
+        </p:nvSpPr>
+        <p:spPr>
+          <a:xfrm>
+            <a:off x="174568" y="3150524"/>
+            <a:ext cx="4977645" cy="923330"/>
+          </a:xfrm>
+          <a:prstGeom prst="rect">
+            <a:avLst/>
+          </a:prstGeom>
+          <a:noFill/>
+        </p:spPr>
+        <p:txBody>
+          <a:bodyPr wrap="none" rtlCol="0">
+            <a:spAutoFit/>
+          </a:bodyPr>
+          <a:lstStyle/>
+          <a:p>
+            <a:r>
+              <a:rPr lang="ko-KR" altLang="en-US" dirty="0" err="1" smtClean="0"/>
+              <a:t>조도센서</a:t>
+            </a:r>
+            <a:r>
+              <a:rPr lang="ko-KR" altLang="en-US" dirty="0" smtClean="0"/>
+              <a:t> </a:t>
+            </a:r>
+            <a:r>
+              <a:rPr lang="en-US" altLang="ko-KR" dirty="0" smtClean="0"/>
+              <a:t>, </a:t>
+            </a:r>
+            <a:r>
+              <a:rPr lang="ko-KR" altLang="en-US" dirty="0" smtClean="0"/>
+              <a:t>온도</a:t>
+            </a:r>
+            <a:r>
+              <a:rPr lang="en-US" altLang="ko-KR" dirty="0" smtClean="0"/>
+              <a:t>, </a:t>
+            </a:r>
+            <a:r>
+              <a:rPr lang="ko-KR" altLang="en-US" dirty="0" smtClean="0"/>
+              <a:t>습도 </a:t>
+            </a:r>
+            <a:r>
+              <a:rPr lang="en-US" altLang="ko-KR" dirty="0" smtClean="0"/>
+              <a:t>-&gt; </a:t>
+            </a:r>
+            <a:r>
+              <a:rPr lang="ko-KR" altLang="en-US" dirty="0" smtClean="0"/>
+              <a:t>강수량 예측</a:t>
+            </a:r>
+            <a:endParaRPr lang="en-US" altLang="ko-KR" dirty="0" smtClean="0"/>
+          </a:p>
+          <a:p>
+            <a:endParaRPr lang="en-US" altLang="ko-KR" dirty="0"/>
+          </a:p>
+          <a:p>
+            <a:r>
+              <a:rPr lang="ko-KR" altLang="en-US" dirty="0" smtClean="0"/>
+              <a:t>높은 기온 </a:t>
+            </a:r>
+            <a:r>
+              <a:rPr lang="en-US" altLang="ko-KR" dirty="0" smtClean="0"/>
+              <a:t>&amp;&amp; </a:t>
+            </a:r>
+            <a:r>
+              <a:rPr lang="ko-KR" altLang="en-US" dirty="0" smtClean="0"/>
+              <a:t>강수량 낮으면 </a:t>
+            </a:r>
+            <a:r>
+              <a:rPr lang="en-US" altLang="ko-KR" dirty="0" smtClean="0"/>
+              <a:t>-&gt; </a:t>
+            </a:r>
+            <a:r>
+              <a:rPr lang="ko-KR" altLang="en-US" dirty="0" err="1" smtClean="0"/>
+              <a:t>관수제어</a:t>
+            </a:r>
+            <a:r>
+              <a:rPr lang="ko-KR" altLang="en-US" dirty="0" smtClean="0"/>
+              <a:t> </a:t>
+            </a:r>
+            <a:r>
+              <a:rPr lang="en-US" altLang="ko-KR" dirty="0" smtClean="0"/>
+              <a:t>ON</a:t>
+            </a:r>
+            <a:endParaRPr lang="ko-KR" altLang="en-US" dirty="0"/>
+          </a:p>
+        </p:txBody>
+      </p:sp>
+      <p:pic>
+        <p:nvPicPr>
+          <p:cNvPr id="5" name="그림 4"/>
+          <p:cNvPicPr>
+            <a:picLocks noChangeAspect="1"/>
+          </p:cNvPicPr>
+          <p:nvPr/>
+        </p:nvPicPr>
+        <p:blipFill>
+          <a:blip r:embed="rId3"/>
+          <a:stretch>
+            <a:fillRect/>
+          </a:stretch>
+        </p:blipFill>
+        <p:spPr>
+          <a:xfrm>
+            <a:off x="174568" y="4207474"/>
+            <a:ext cx="5278582" cy="2405266"/>
+          </a:xfrm>
+          <a:prstGeom prst="rect">
+            <a:avLst/>
+          </a:prstGeom>
+        </p:spPr>
+      </p:pic>
+      <p:sp>
+        <p:nvSpPr>
+          <p:cNvPr id="6" name="TextBox 5"/>
+          <p:cNvSpPr txBox="1"/>
+          <p:nvPr/>
+        </p:nvSpPr>
+        <p:spPr>
+          <a:xfrm>
+            <a:off x="6683433" y="1837113"/>
+            <a:ext cx="2695674" cy="369332"/>
+          </a:xfrm>
+          <a:prstGeom prst="rect">
+            <a:avLst/>
+          </a:prstGeom>
+          <a:noFill/>
+        </p:spPr>
+        <p:txBody>
+          <a:bodyPr wrap="none" rtlCol="0">
+            <a:spAutoFit/>
+          </a:bodyPr>
+          <a:lstStyle/>
+          <a:p>
+            <a:r>
+              <a:rPr lang="en-US" altLang="ko-KR" dirty="0" smtClean="0">
+                <a:solidFill>
+                  <a:srgbClr val="FF0000"/>
+                </a:solidFill>
+              </a:rPr>
+              <a:t>Reference -&gt; CHAT GPT</a:t>
+            </a:r>
+            <a:endParaRPr lang="ko-KR" altLang="en-US" dirty="0">
+              <a:solidFill>
+                <a:srgbClr val="FF0000"/>
+              </a:solidFill>
+            </a:endParaRPr>
+          </a:p>
+        </p:txBody>
+      </p:sp>
     </p:spTree>
     <p:extLst>
       <p:ext uri="{BB962C8B-B14F-4D97-AF65-F5344CB8AC3E}">
-        <p14:creationId xmlns:p14="http://schemas.microsoft.com/office/powerpoint/2010/main" val="2846623898"/>
+        <p14:creationId xmlns:p14="http://schemas.microsoft.com/office/powerpoint/2010/main" val="2966002042"/>
       </p:ext>
     </p:extLst>
   </p:cSld>

--- a/프레젠테이션1.pptx
+++ b/프레젠테이션1.pptx
@@ -5852,7 +5852,11 @@
             </a:r>
             <a:r>
               <a:rPr lang="ko-KR" altLang="en-US" dirty="0" smtClean="0"/>
-              <a:t>온도에 따라</a:t>
+              <a:t>온도에 </a:t>
+            </a:r>
+            <a:r>
+              <a:rPr lang="ko-KR" altLang="en-US" dirty="0" smtClean="0"/>
+              <a:t>따라 </a:t>
             </a:r>
             <a:endParaRPr lang="en-US" altLang="ko-KR" dirty="0" smtClean="0"/>
           </a:p>
@@ -5911,8 +5915,8 @@
         </p:blipFill>
         <p:spPr>
           <a:xfrm>
-            <a:off x="6808984" y="2310939"/>
-            <a:ext cx="4834612" cy="4162511"/>
+            <a:off x="6976452" y="-180280"/>
+            <a:ext cx="4593237" cy="3954692"/>
           </a:xfrm>
           <a:prstGeom prst="rect">
             <a:avLst/>
@@ -6043,7 +6047,7 @@
         </p:nvSpPr>
         <p:spPr>
           <a:xfrm>
-            <a:off x="6683433" y="1837113"/>
+            <a:off x="4056841" y="125189"/>
             <a:ext cx="2695674" cy="369332"/>
           </a:xfrm>
           <a:prstGeom prst="rect">
@@ -6073,6 +6077,30 @@
           </a:p>
         </p:txBody>
       </p:sp>
+      <p:pic>
+        <p:nvPicPr>
+          <p:cNvPr id="7" name="그림 6"/>
+          <p:cNvPicPr>
+            <a:picLocks noChangeAspect="1"/>
+          </p:cNvPicPr>
+          <p:nvPr/>
+        </p:nvPicPr>
+        <p:blipFill>
+          <a:blip r:embed="rId4"/>
+          <a:stretch>
+            <a:fillRect/>
+          </a:stretch>
+        </p:blipFill>
+        <p:spPr>
+          <a:xfrm>
+            <a:off x="6219994" y="3774412"/>
+            <a:ext cx="4518058" cy="3083588"/>
+          </a:xfrm>
+          <a:prstGeom prst="rect">
+            <a:avLst/>
+          </a:prstGeom>
+        </p:spPr>
+      </p:pic>
     </p:spTree>
     <p:extLst>
       <p:ext uri="{BB962C8B-B14F-4D97-AF65-F5344CB8AC3E}">

--- a/프레젠테이션1.pptx
+++ b/프레젠테이션1.pptx
@@ -5852,11 +5852,7 @@
             </a:r>
             <a:r>
               <a:rPr lang="ko-KR" altLang="en-US" dirty="0" smtClean="0"/>
-              <a:t>온도에 </a:t>
-            </a:r>
-            <a:r>
-              <a:rPr lang="ko-KR" altLang="en-US" dirty="0" smtClean="0"/>
-              <a:t>따라 </a:t>
+              <a:t>온도에 따라 </a:t>
             </a:r>
             <a:endParaRPr lang="en-US" altLang="ko-KR" dirty="0" smtClean="0"/>
           </a:p>
@@ -5931,8 +5927,8 @@
         </p:nvSpPr>
         <p:spPr>
           <a:xfrm>
-            <a:off x="174568" y="3150524"/>
-            <a:ext cx="4977645" cy="923330"/>
+            <a:off x="174568" y="2876204"/>
+            <a:ext cx="4995278" cy="1138773"/>
           </a:xfrm>
           <a:prstGeom prst="rect">
             <a:avLst/>
@@ -5974,10 +5970,18 @@
               <a:t>-&gt; </a:t>
             </a:r>
             <a:r>
-              <a:rPr lang="ko-KR" altLang="en-US" dirty="0" smtClean="0"/>
+              <a:rPr lang="ko-KR" altLang="en-US" sz="3200" b="1" dirty="0" smtClean="0">
+                <a:solidFill>
+                  <a:srgbClr val="FF0000"/>
+                </a:solidFill>
+              </a:rPr>
               <a:t>강수량 예측</a:t>
             </a:r>
-            <a:endParaRPr lang="en-US" altLang="ko-KR" dirty="0" smtClean="0"/>
+            <a:endParaRPr lang="en-US" altLang="ko-KR" sz="3200" b="1" dirty="0" smtClean="0">
+              <a:solidFill>
+                <a:srgbClr val="FF0000"/>
+              </a:solidFill>
+            </a:endParaRPr>
           </a:p>
           <a:p>
             <a:endParaRPr lang="en-US" altLang="ko-KR" dirty="0"/>
